--- a/defense/presentation-fingers-cloner.pptx
+++ b/defense/presentation-fingers-cloner.pptx
@@ -697,7 +697,7 @@
           <a:noFill/>
           <a:extLst>
             <a:ext uri="{909E8E84-426E-40dd-AFC4-6F175D3DCCD1}">
-              <a14:hiddenFill xmlns:a14="http://schemas.microsoft.com/office/drawing/2010/main" xmlns="">
+              <a14:hiddenFill xmlns="" xmlns:a14="http://schemas.microsoft.com/office/drawing/2010/main">
                 <a:solidFill>
                   <a:srgbClr val="FFFFFF"/>
                 </a:solidFill>
@@ -757,7 +757,7 @@
             </a:ln>
             <a:extLst>
               <a:ext uri="{91240B29-F687-4f45-9708-019B960494DF}">
-                <a14:hiddenLine xmlns:a14="http://schemas.microsoft.com/office/drawing/2010/main" xmlns="" w="9525">
+                <a14:hiddenLine xmlns="" xmlns:a14="http://schemas.microsoft.com/office/drawing/2010/main" w="9525">
                   <a:solidFill>
                     <a:srgbClr val="000000"/>
                   </a:solidFill>
@@ -847,7 +847,7 @@
             </a:ln>
             <a:extLst>
               <a:ext uri="{91240B29-F687-4f45-9708-019B960494DF}">
-                <a14:hiddenLine xmlns:a14="http://schemas.microsoft.com/office/drawing/2010/main" xmlns="" w="9525">
+                <a14:hiddenLine xmlns="" xmlns:a14="http://schemas.microsoft.com/office/drawing/2010/main" w="9525">
                   <a:solidFill>
                     <a:srgbClr val="000000"/>
                   </a:solidFill>
@@ -937,7 +937,7 @@
             </a:ln>
             <a:extLst>
               <a:ext uri="{91240B29-F687-4f45-9708-019B960494DF}">
-                <a14:hiddenLine xmlns:a14="http://schemas.microsoft.com/office/drawing/2010/main" xmlns="" w="9525">
+                <a14:hiddenLine xmlns="" xmlns:a14="http://schemas.microsoft.com/office/drawing/2010/main" w="9525">
                   <a:solidFill>
                     <a:srgbClr val="000000"/>
                   </a:solidFill>
@@ -971,7 +971,7 @@
             </a:ln>
             <a:extLst>
               <a:ext uri="{91240B29-F687-4f45-9708-019B960494DF}">
-                <a14:hiddenLine xmlns:a14="http://schemas.microsoft.com/office/drawing/2010/main" xmlns="" w="9525">
+                <a14:hiddenLine xmlns="" xmlns:a14="http://schemas.microsoft.com/office/drawing/2010/main" w="9525">
                   <a:solidFill>
                     <a:srgbClr val="000000"/>
                   </a:solidFill>
@@ -1061,7 +1061,7 @@
             </a:ln>
             <a:extLst>
               <a:ext uri="{91240B29-F687-4f45-9708-019B960494DF}">
-                <a14:hiddenLine xmlns:a14="http://schemas.microsoft.com/office/drawing/2010/main" xmlns="" w="9525">
+                <a14:hiddenLine xmlns="" xmlns:a14="http://schemas.microsoft.com/office/drawing/2010/main" w="9525">
                   <a:solidFill>
                     <a:srgbClr val="000000"/>
                   </a:solidFill>
@@ -1123,7 +1123,7 @@
             </a:ln>
             <a:extLst>
               <a:ext uri="{91240B29-F687-4f45-9708-019B960494DF}">
-                <a14:hiddenLine xmlns:a14="http://schemas.microsoft.com/office/drawing/2010/main" xmlns="" w="9525">
+                <a14:hiddenLine xmlns="" xmlns:a14="http://schemas.microsoft.com/office/drawing/2010/main" w="9525">
                   <a:solidFill>
                     <a:srgbClr val="000000"/>
                   </a:solidFill>
@@ -1185,7 +1185,7 @@
             </a:ln>
             <a:extLst>
               <a:ext uri="{91240B29-F687-4f45-9708-019B960494DF}">
-                <a14:hiddenLine xmlns:a14="http://schemas.microsoft.com/office/drawing/2010/main" xmlns="" w="9525">
+                <a14:hiddenLine xmlns="" xmlns:a14="http://schemas.microsoft.com/office/drawing/2010/main" w="9525">
                   <a:solidFill>
                     <a:srgbClr val="000000"/>
                   </a:solidFill>
@@ -1275,7 +1275,7 @@
             </a:ln>
             <a:extLst>
               <a:ext uri="{91240B29-F687-4f45-9708-019B960494DF}">
-                <a14:hiddenLine xmlns:a14="http://schemas.microsoft.com/office/drawing/2010/main" xmlns="" w="9525">
+                <a14:hiddenLine xmlns="" xmlns:a14="http://schemas.microsoft.com/office/drawing/2010/main" w="9525">
                   <a:solidFill>
                     <a:srgbClr val="000000"/>
                   </a:solidFill>
@@ -1337,7 +1337,7 @@
             </a:ln>
             <a:extLst>
               <a:ext uri="{91240B29-F687-4f45-9708-019B960494DF}">
-                <a14:hiddenLine xmlns:a14="http://schemas.microsoft.com/office/drawing/2010/main" xmlns="" w="9525">
+                <a14:hiddenLine xmlns="" xmlns:a14="http://schemas.microsoft.com/office/drawing/2010/main" w="9525">
                   <a:solidFill>
                     <a:srgbClr val="000000"/>
                   </a:solidFill>
@@ -1399,7 +1399,7 @@
             </a:ln>
             <a:extLst>
               <a:ext uri="{91240B29-F687-4f45-9708-019B960494DF}">
-                <a14:hiddenLine xmlns:a14="http://schemas.microsoft.com/office/drawing/2010/main" xmlns="" w="9525">
+                <a14:hiddenLine xmlns="" xmlns:a14="http://schemas.microsoft.com/office/drawing/2010/main" w="9525">
                   <a:solidFill>
                     <a:srgbClr val="000000"/>
                   </a:solidFill>
@@ -1489,7 +1489,7 @@
             </a:ln>
             <a:extLst>
               <a:ext uri="{91240B29-F687-4f45-9708-019B960494DF}">
-                <a14:hiddenLine xmlns:a14="http://schemas.microsoft.com/office/drawing/2010/main" xmlns="" w="9525">
+                <a14:hiddenLine xmlns="" xmlns:a14="http://schemas.microsoft.com/office/drawing/2010/main" w="9525">
                   <a:solidFill>
                     <a:srgbClr val="000000"/>
                   </a:solidFill>
@@ -1579,7 +1579,7 @@
             </a:ln>
             <a:extLst>
               <a:ext uri="{91240B29-F687-4f45-9708-019B960494DF}">
-                <a14:hiddenLine xmlns:a14="http://schemas.microsoft.com/office/drawing/2010/main" xmlns="" w="9525">
+                <a14:hiddenLine xmlns="" xmlns:a14="http://schemas.microsoft.com/office/drawing/2010/main" w="9525">
                   <a:solidFill>
                     <a:srgbClr val="000000"/>
                   </a:solidFill>
@@ -1641,7 +1641,7 @@
             </a:ln>
             <a:extLst>
               <a:ext uri="{91240B29-F687-4f45-9708-019B960494DF}">
-                <a14:hiddenLine xmlns:a14="http://schemas.microsoft.com/office/drawing/2010/main" xmlns="" w="9525">
+                <a14:hiddenLine xmlns="" xmlns:a14="http://schemas.microsoft.com/office/drawing/2010/main" w="9525">
                   <a:solidFill>
                     <a:srgbClr val="000000"/>
                   </a:solidFill>
@@ -1751,7 +1751,7 @@
             </a:ln>
             <a:extLst>
               <a:ext uri="{91240B29-F687-4f45-9708-019B960494DF}">
-                <a14:hiddenLine xmlns:a14="http://schemas.microsoft.com/office/drawing/2010/main" xmlns="" w="9525">
+                <a14:hiddenLine xmlns="" xmlns:a14="http://schemas.microsoft.com/office/drawing/2010/main" w="9525">
                   <a:solidFill>
                     <a:srgbClr val="000000"/>
                   </a:solidFill>
@@ -1813,7 +1813,7 @@
             </a:ln>
             <a:extLst>
               <a:ext uri="{91240B29-F687-4f45-9708-019B960494DF}">
-                <a14:hiddenLine xmlns:a14="http://schemas.microsoft.com/office/drawing/2010/main" xmlns="" w="9525">
+                <a14:hiddenLine xmlns="" xmlns:a14="http://schemas.microsoft.com/office/drawing/2010/main" w="9525">
                   <a:solidFill>
                     <a:srgbClr val="000000"/>
                   </a:solidFill>
@@ -1903,7 +1903,7 @@
             </a:ln>
             <a:extLst>
               <a:ext uri="{91240B29-F687-4f45-9708-019B960494DF}">
-                <a14:hiddenLine xmlns:a14="http://schemas.microsoft.com/office/drawing/2010/main" xmlns="" w="9525">
+                <a14:hiddenLine xmlns="" xmlns:a14="http://schemas.microsoft.com/office/drawing/2010/main" w="9525">
                   <a:solidFill>
                     <a:srgbClr val="000000"/>
                   </a:solidFill>
@@ -1993,7 +1993,7 @@
             </a:ln>
             <a:extLst>
               <a:ext uri="{91240B29-F687-4f45-9708-019B960494DF}">
-                <a14:hiddenLine xmlns:a14="http://schemas.microsoft.com/office/drawing/2010/main" xmlns="" w="9525">
+                <a14:hiddenLine xmlns="" xmlns:a14="http://schemas.microsoft.com/office/drawing/2010/main" w="9525">
                   <a:solidFill>
                     <a:srgbClr val="000000"/>
                   </a:solidFill>
@@ -2055,7 +2055,7 @@
             </a:ln>
             <a:extLst>
               <a:ext uri="{91240B29-F687-4f45-9708-019B960494DF}">
-                <a14:hiddenLine xmlns:a14="http://schemas.microsoft.com/office/drawing/2010/main" xmlns="" w="9525">
+                <a14:hiddenLine xmlns="" xmlns:a14="http://schemas.microsoft.com/office/drawing/2010/main" w="9525">
                   <a:solidFill>
                     <a:srgbClr val="000000"/>
                   </a:solidFill>
@@ -2145,7 +2145,7 @@
             </a:ln>
             <a:extLst>
               <a:ext uri="{91240B29-F687-4f45-9708-019B960494DF}">
-                <a14:hiddenLine xmlns:a14="http://schemas.microsoft.com/office/drawing/2010/main" xmlns="" w="9525">
+                <a14:hiddenLine xmlns="" xmlns:a14="http://schemas.microsoft.com/office/drawing/2010/main" w="9525">
                   <a:solidFill>
                     <a:srgbClr val="000000"/>
                   </a:solidFill>
@@ -2235,7 +2235,7 @@
             </a:ln>
             <a:extLst>
               <a:ext uri="{91240B29-F687-4f45-9708-019B960494DF}">
-                <a14:hiddenLine xmlns:a14="http://schemas.microsoft.com/office/drawing/2010/main" xmlns="" w="9525">
+                <a14:hiddenLine xmlns="" xmlns:a14="http://schemas.microsoft.com/office/drawing/2010/main" w="9525">
                   <a:solidFill>
                     <a:srgbClr val="000000"/>
                   </a:solidFill>
@@ -2291,7 +2291,7 @@
             </a:ln>
             <a:extLst>
               <a:ext uri="{91240B29-F687-4f45-9708-019B960494DF}">
-                <a14:hiddenLine xmlns:a14="http://schemas.microsoft.com/office/drawing/2010/main" xmlns="" w="9525">
+                <a14:hiddenLine xmlns="" xmlns:a14="http://schemas.microsoft.com/office/drawing/2010/main" w="9525">
                   <a:solidFill>
                     <a:srgbClr val="000000"/>
                   </a:solidFill>
@@ -2381,7 +2381,7 @@
             </a:ln>
             <a:extLst>
               <a:ext uri="{91240B29-F687-4f45-9708-019B960494DF}">
-                <a14:hiddenLine xmlns:a14="http://schemas.microsoft.com/office/drawing/2010/main" xmlns="" w="9525">
+                <a14:hiddenLine xmlns="" xmlns:a14="http://schemas.microsoft.com/office/drawing/2010/main" w="9525">
                   <a:solidFill>
                     <a:srgbClr val="000000"/>
                   </a:solidFill>
@@ -2437,7 +2437,7 @@
             </a:ln>
             <a:extLst>
               <a:ext uri="{91240B29-F687-4f45-9708-019B960494DF}">
-                <a14:hiddenLine xmlns:a14="http://schemas.microsoft.com/office/drawing/2010/main" xmlns="" w="9525">
+                <a14:hiddenLine xmlns="" xmlns:a14="http://schemas.microsoft.com/office/drawing/2010/main" w="9525">
                   <a:solidFill>
                     <a:srgbClr val="000000"/>
                   </a:solidFill>
@@ -2527,7 +2527,7 @@
             </a:ln>
             <a:extLst>
               <a:ext uri="{91240B29-F687-4f45-9708-019B960494DF}">
-                <a14:hiddenLine xmlns:a14="http://schemas.microsoft.com/office/drawing/2010/main" xmlns="" w="9525">
+                <a14:hiddenLine xmlns="" xmlns:a14="http://schemas.microsoft.com/office/drawing/2010/main" w="9525">
                   <a:solidFill>
                     <a:srgbClr val="000000"/>
                   </a:solidFill>
@@ -2595,7 +2595,7 @@
             </a:ln>
             <a:extLst>
               <a:ext uri="{91240B29-F687-4f45-9708-019B960494DF}">
-                <a14:hiddenLine xmlns:a14="http://schemas.microsoft.com/office/drawing/2010/main" xmlns="" w="9525">
+                <a14:hiddenLine xmlns="" xmlns:a14="http://schemas.microsoft.com/office/drawing/2010/main" w="9525">
                   <a:solidFill>
                     <a:srgbClr val="000000"/>
                   </a:solidFill>
@@ -2685,7 +2685,7 @@
             </a:ln>
             <a:extLst>
               <a:ext uri="{91240B29-F687-4f45-9708-019B960494DF}">
-                <a14:hiddenLine xmlns:a14="http://schemas.microsoft.com/office/drawing/2010/main" xmlns="" w="9525">
+                <a14:hiddenLine xmlns="" xmlns:a14="http://schemas.microsoft.com/office/drawing/2010/main" w="9525">
                   <a:solidFill>
                     <a:srgbClr val="000000"/>
                   </a:solidFill>
@@ -2753,7 +2753,7 @@
             </a:ln>
             <a:extLst>
               <a:ext uri="{91240B29-F687-4f45-9708-019B960494DF}">
-                <a14:hiddenLine xmlns:a14="http://schemas.microsoft.com/office/drawing/2010/main" xmlns="" w="9525">
+                <a14:hiddenLine xmlns="" xmlns:a14="http://schemas.microsoft.com/office/drawing/2010/main" w="9525">
                   <a:solidFill>
                     <a:srgbClr val="000000"/>
                   </a:solidFill>
@@ -2843,7 +2843,7 @@
             </a:ln>
             <a:extLst>
               <a:ext uri="{91240B29-F687-4f45-9708-019B960494DF}">
-                <a14:hiddenLine xmlns:a14="http://schemas.microsoft.com/office/drawing/2010/main" xmlns="" w="9525">
+                <a14:hiddenLine xmlns="" xmlns:a14="http://schemas.microsoft.com/office/drawing/2010/main" w="9525">
                   <a:solidFill>
                     <a:srgbClr val="000000"/>
                   </a:solidFill>
@@ -2877,7 +2877,7 @@
             </a:ln>
             <a:extLst>
               <a:ext uri="{91240B29-F687-4f45-9708-019B960494DF}">
-                <a14:hiddenLine xmlns:a14="http://schemas.microsoft.com/office/drawing/2010/main" xmlns="" w="9525">
+                <a14:hiddenLine xmlns="" xmlns:a14="http://schemas.microsoft.com/office/drawing/2010/main" w="9525">
                   <a:solidFill>
                     <a:srgbClr val="000000"/>
                   </a:solidFill>
@@ -2967,7 +2967,7 @@
             </a:ln>
             <a:extLst>
               <a:ext uri="{91240B29-F687-4f45-9708-019B960494DF}">
-                <a14:hiddenLine xmlns:a14="http://schemas.microsoft.com/office/drawing/2010/main" xmlns="" w="9525">
+                <a14:hiddenLine xmlns="" xmlns:a14="http://schemas.microsoft.com/office/drawing/2010/main" w="9525">
                   <a:solidFill>
                     <a:srgbClr val="000000"/>
                   </a:solidFill>
@@ -3029,7 +3029,7 @@
             </a:ln>
             <a:extLst>
               <a:ext uri="{91240B29-F687-4f45-9708-019B960494DF}">
-                <a14:hiddenLine xmlns:a14="http://schemas.microsoft.com/office/drawing/2010/main" xmlns="" w="9525">
+                <a14:hiddenLine xmlns="" xmlns:a14="http://schemas.microsoft.com/office/drawing/2010/main" w="9525">
                   <a:solidFill>
                     <a:srgbClr val="000000"/>
                   </a:solidFill>
@@ -3091,7 +3091,7 @@
             </a:ln>
             <a:extLst>
               <a:ext uri="{91240B29-F687-4f45-9708-019B960494DF}">
-                <a14:hiddenLine xmlns:a14="http://schemas.microsoft.com/office/drawing/2010/main" xmlns="" w="9525">
+                <a14:hiddenLine xmlns="" xmlns:a14="http://schemas.microsoft.com/office/drawing/2010/main" w="9525">
                   <a:solidFill>
                     <a:srgbClr val="000000"/>
                   </a:solidFill>
@@ -3181,7 +3181,7 @@
             </a:ln>
             <a:extLst>
               <a:ext uri="{91240B29-F687-4f45-9708-019B960494DF}">
-                <a14:hiddenLine xmlns:a14="http://schemas.microsoft.com/office/drawing/2010/main" xmlns="" w="9525">
+                <a14:hiddenLine xmlns="" xmlns:a14="http://schemas.microsoft.com/office/drawing/2010/main" w="9525">
                   <a:solidFill>
                     <a:srgbClr val="000000"/>
                   </a:solidFill>
@@ -3249,7 +3249,7 @@
             </a:ln>
             <a:extLst>
               <a:ext uri="{91240B29-F687-4f45-9708-019B960494DF}">
-                <a14:hiddenLine xmlns:a14="http://schemas.microsoft.com/office/drawing/2010/main" xmlns="" w="9525">
+                <a14:hiddenLine xmlns="" xmlns:a14="http://schemas.microsoft.com/office/drawing/2010/main" w="9525">
                   <a:solidFill>
                     <a:srgbClr val="000000"/>
                   </a:solidFill>
@@ -3311,7 +3311,7 @@
             </a:ln>
             <a:extLst>
               <a:ext uri="{91240B29-F687-4f45-9708-019B960494DF}">
-                <a14:hiddenLine xmlns:a14="http://schemas.microsoft.com/office/drawing/2010/main" xmlns="" w="9525">
+                <a14:hiddenLine xmlns="" xmlns:a14="http://schemas.microsoft.com/office/drawing/2010/main" w="9525">
                   <a:solidFill>
                     <a:srgbClr val="000000"/>
                   </a:solidFill>
@@ -3401,7 +3401,7 @@
             </a:ln>
             <a:extLst>
               <a:ext uri="{91240B29-F687-4f45-9708-019B960494DF}">
-                <a14:hiddenLine xmlns:a14="http://schemas.microsoft.com/office/drawing/2010/main" xmlns="" w="9525">
+                <a14:hiddenLine xmlns="" xmlns:a14="http://schemas.microsoft.com/office/drawing/2010/main" w="9525">
                   <a:solidFill>
                     <a:srgbClr val="000000"/>
                   </a:solidFill>
@@ -3463,7 +3463,7 @@
             </a:ln>
             <a:extLst>
               <a:ext uri="{91240B29-F687-4f45-9708-019B960494DF}">
-                <a14:hiddenLine xmlns:a14="http://schemas.microsoft.com/office/drawing/2010/main" xmlns="" w="9525">
+                <a14:hiddenLine xmlns="" xmlns:a14="http://schemas.microsoft.com/office/drawing/2010/main" w="9525">
                   <a:solidFill>
                     <a:srgbClr val="000000"/>
                   </a:solidFill>
@@ -3553,7 +3553,7 @@
             </a:ln>
             <a:extLst>
               <a:ext uri="{91240B29-F687-4f45-9708-019B960494DF}">
-                <a14:hiddenLine xmlns:a14="http://schemas.microsoft.com/office/drawing/2010/main" xmlns="" w="9525">
+                <a14:hiddenLine xmlns="" xmlns:a14="http://schemas.microsoft.com/office/drawing/2010/main" w="9525">
                   <a:solidFill>
                     <a:srgbClr val="000000"/>
                   </a:solidFill>
@@ -3615,7 +3615,7 @@
             </a:ln>
             <a:extLst>
               <a:ext uri="{91240B29-F687-4f45-9708-019B960494DF}">
-                <a14:hiddenLine xmlns:a14="http://schemas.microsoft.com/office/drawing/2010/main" xmlns="" w="9525">
+                <a14:hiddenLine xmlns="" xmlns:a14="http://schemas.microsoft.com/office/drawing/2010/main" w="9525">
                   <a:solidFill>
                     <a:srgbClr val="000000"/>
                   </a:solidFill>
@@ -3705,7 +3705,7 @@
             </a:ln>
             <a:extLst>
               <a:ext uri="{91240B29-F687-4f45-9708-019B960494DF}">
-                <a14:hiddenLine xmlns:a14="http://schemas.microsoft.com/office/drawing/2010/main" xmlns="" w="9525">
+                <a14:hiddenLine xmlns="" xmlns:a14="http://schemas.microsoft.com/office/drawing/2010/main" w="9525">
                   <a:solidFill>
                     <a:srgbClr val="000000"/>
                   </a:solidFill>
@@ -3739,7 +3739,7 @@
             </a:ln>
             <a:extLst>
               <a:ext uri="{91240B29-F687-4f45-9708-019B960494DF}">
-                <a14:hiddenLine xmlns:a14="http://schemas.microsoft.com/office/drawing/2010/main" xmlns="" w="9525">
+                <a14:hiddenLine xmlns="" xmlns:a14="http://schemas.microsoft.com/office/drawing/2010/main" w="9525">
                   <a:solidFill>
                     <a:srgbClr val="000000"/>
                   </a:solidFill>
@@ -3804,7 +3804,7 @@
             </a:ln>
             <a:extLst>
               <a:ext uri="{91240B29-F687-4f45-9708-019B960494DF}">
-                <a14:hiddenLine xmlns:a14="http://schemas.microsoft.com/office/drawing/2010/main" xmlns="" w="9525">
+                <a14:hiddenLine xmlns="" xmlns:a14="http://schemas.microsoft.com/office/drawing/2010/main" w="9525">
                   <a:solidFill>
                     <a:srgbClr val="000000"/>
                   </a:solidFill>
@@ -3894,7 +3894,7 @@
             </a:ln>
             <a:extLst>
               <a:ext uri="{91240B29-F687-4f45-9708-019B960494DF}">
-                <a14:hiddenLine xmlns:a14="http://schemas.microsoft.com/office/drawing/2010/main" xmlns="" w="9525">
+                <a14:hiddenLine xmlns="" xmlns:a14="http://schemas.microsoft.com/office/drawing/2010/main" w="9525">
                   <a:solidFill>
                     <a:srgbClr val="000000"/>
                   </a:solidFill>
@@ -3956,7 +3956,7 @@
             </a:ln>
             <a:extLst>
               <a:ext uri="{91240B29-F687-4f45-9708-019B960494DF}">
-                <a14:hiddenLine xmlns:a14="http://schemas.microsoft.com/office/drawing/2010/main" xmlns="" w="9525">
+                <a14:hiddenLine xmlns="" xmlns:a14="http://schemas.microsoft.com/office/drawing/2010/main" w="9525">
                   <a:solidFill>
                     <a:srgbClr val="000000"/>
                   </a:solidFill>
@@ -4046,7 +4046,7 @@
             </a:ln>
             <a:extLst>
               <a:ext uri="{91240B29-F687-4f45-9708-019B960494DF}">
-                <a14:hiddenLine xmlns:a14="http://schemas.microsoft.com/office/drawing/2010/main" xmlns="" w="9525">
+                <a14:hiddenLine xmlns="" xmlns:a14="http://schemas.microsoft.com/office/drawing/2010/main" w="9525">
                   <a:solidFill>
                     <a:srgbClr val="000000"/>
                   </a:solidFill>
@@ -4136,7 +4136,7 @@
             </a:ln>
             <a:extLst>
               <a:ext uri="{91240B29-F687-4f45-9708-019B960494DF}">
-                <a14:hiddenLine xmlns:a14="http://schemas.microsoft.com/office/drawing/2010/main" xmlns="" w="9525">
+                <a14:hiddenLine xmlns="" xmlns:a14="http://schemas.microsoft.com/office/drawing/2010/main" w="9525">
                   <a:solidFill>
                     <a:srgbClr val="000000"/>
                   </a:solidFill>
@@ -4201,7 +4201,7 @@
             </a:ln>
             <a:extLst>
               <a:ext uri="{91240B29-F687-4f45-9708-019B960494DF}">
-                <a14:hiddenLine xmlns:a14="http://schemas.microsoft.com/office/drawing/2010/main" xmlns="" w="9525">
+                <a14:hiddenLine xmlns="" xmlns:a14="http://schemas.microsoft.com/office/drawing/2010/main" w="9525">
                   <a:solidFill>
                     <a:srgbClr val="000000"/>
                   </a:solidFill>
@@ -4263,7 +4263,7 @@
             </a:ln>
             <a:extLst>
               <a:ext uri="{91240B29-F687-4f45-9708-019B960494DF}">
-                <a14:hiddenLine xmlns:a14="http://schemas.microsoft.com/office/drawing/2010/main" xmlns="" w="9525">
+                <a14:hiddenLine xmlns="" xmlns:a14="http://schemas.microsoft.com/office/drawing/2010/main" w="9525">
                   <a:solidFill>
                     <a:srgbClr val="000000"/>
                   </a:solidFill>
@@ -4353,7 +4353,7 @@
             </a:ln>
             <a:extLst>
               <a:ext uri="{91240B29-F687-4f45-9708-019B960494DF}">
-                <a14:hiddenLine xmlns:a14="http://schemas.microsoft.com/office/drawing/2010/main" xmlns="" w="9525">
+                <a14:hiddenLine xmlns="" xmlns:a14="http://schemas.microsoft.com/office/drawing/2010/main" w="9525">
                   <a:solidFill>
                     <a:srgbClr val="000000"/>
                   </a:solidFill>
@@ -4443,7 +4443,7 @@
             </a:ln>
             <a:extLst>
               <a:ext uri="{91240B29-F687-4f45-9708-019B960494DF}">
-                <a14:hiddenLine xmlns:a14="http://schemas.microsoft.com/office/drawing/2010/main" xmlns="" w="9525">
+                <a14:hiddenLine xmlns="" xmlns:a14="http://schemas.microsoft.com/office/drawing/2010/main" w="9525">
                   <a:solidFill>
                     <a:srgbClr val="000000"/>
                   </a:solidFill>
@@ -4505,7 +4505,7 @@
             </a:ln>
             <a:extLst>
               <a:ext uri="{91240B29-F687-4f45-9708-019B960494DF}">
-                <a14:hiddenLine xmlns:a14="http://schemas.microsoft.com/office/drawing/2010/main" xmlns="" w="9525">
+                <a14:hiddenLine xmlns="" xmlns:a14="http://schemas.microsoft.com/office/drawing/2010/main" w="9525">
                   <a:solidFill>
                     <a:srgbClr val="000000"/>
                   </a:solidFill>
@@ -4625,7 +4625,7 @@
             </a:ln>
             <a:extLst>
               <a:ext uri="{91240B29-F687-4f45-9708-019B960494DF}">
-                <a14:hiddenLine xmlns:a14="http://schemas.microsoft.com/office/drawing/2010/main" xmlns="" w="9525">
+                <a14:hiddenLine xmlns="" xmlns:a14="http://schemas.microsoft.com/office/drawing/2010/main" w="9525">
                   <a:solidFill>
                     <a:srgbClr val="000000"/>
                   </a:solidFill>
@@ -4693,7 +4693,7 @@
             </a:ln>
             <a:extLst>
               <a:ext uri="{91240B29-F687-4f45-9708-019B960494DF}">
-                <a14:hiddenLine xmlns:a14="http://schemas.microsoft.com/office/drawing/2010/main" xmlns="" w="9525">
+                <a14:hiddenLine xmlns="" xmlns:a14="http://schemas.microsoft.com/office/drawing/2010/main" w="9525">
                   <a:solidFill>
                     <a:srgbClr val="000000"/>
                   </a:solidFill>
@@ -4783,7 +4783,7 @@
             </a:ln>
             <a:extLst>
               <a:ext uri="{91240B29-F687-4f45-9708-019B960494DF}">
-                <a14:hiddenLine xmlns:a14="http://schemas.microsoft.com/office/drawing/2010/main" xmlns="" w="9525">
+                <a14:hiddenLine xmlns="" xmlns:a14="http://schemas.microsoft.com/office/drawing/2010/main" w="9525">
                   <a:solidFill>
                     <a:srgbClr val="000000"/>
                   </a:solidFill>
@@ -9658,7 +9658,7 @@
           <a:noFill/>
           <a:extLst>
             <a:ext uri="{909E8E84-426E-40dd-AFC4-6F175D3DCCD1}">
-              <a14:hiddenFill xmlns:a14="http://schemas.microsoft.com/office/drawing/2010/main" xmlns="">
+              <a14:hiddenFill xmlns="" xmlns:a14="http://schemas.microsoft.com/office/drawing/2010/main">
                 <a:solidFill>
                   <a:srgbClr val="FFFFFF"/>
                 </a:solidFill>
@@ -9732,7 +9732,7 @@
               </a:ln>
               <a:extLst>
                 <a:ext uri="{91240B29-F687-4f45-9708-019B960494DF}">
-                  <a14:hiddenLine xmlns:a14="http://schemas.microsoft.com/office/drawing/2010/main" xmlns="" w="9525">
+                  <a14:hiddenLine xmlns="" xmlns:a14="http://schemas.microsoft.com/office/drawing/2010/main" w="9525">
                     <a:solidFill>
                       <a:srgbClr val="000000"/>
                     </a:solidFill>
@@ -9822,7 +9822,7 @@
               </a:ln>
               <a:extLst>
                 <a:ext uri="{91240B29-F687-4f45-9708-019B960494DF}">
-                  <a14:hiddenLine xmlns:a14="http://schemas.microsoft.com/office/drawing/2010/main" xmlns="" w="9525">
+                  <a14:hiddenLine xmlns="" xmlns:a14="http://schemas.microsoft.com/office/drawing/2010/main" w="9525">
                     <a:solidFill>
                       <a:srgbClr val="000000"/>
                     </a:solidFill>
@@ -9912,7 +9912,7 @@
               </a:ln>
               <a:extLst>
                 <a:ext uri="{91240B29-F687-4f45-9708-019B960494DF}">
-                  <a14:hiddenLine xmlns:a14="http://schemas.microsoft.com/office/drawing/2010/main" xmlns="" w="9525">
+                  <a14:hiddenLine xmlns="" xmlns:a14="http://schemas.microsoft.com/office/drawing/2010/main" w="9525">
                     <a:solidFill>
                       <a:srgbClr val="000000"/>
                     </a:solidFill>
@@ -9974,7 +9974,7 @@
               </a:ln>
               <a:extLst>
                 <a:ext uri="{91240B29-F687-4f45-9708-019B960494DF}">
-                  <a14:hiddenLine xmlns:a14="http://schemas.microsoft.com/office/drawing/2010/main" xmlns="" w="9525">
+                  <a14:hiddenLine xmlns="" xmlns:a14="http://schemas.microsoft.com/office/drawing/2010/main" w="9525">
                     <a:solidFill>
                       <a:srgbClr val="000000"/>
                     </a:solidFill>
@@ -10064,7 +10064,7 @@
               </a:ln>
               <a:extLst>
                 <a:ext uri="{91240B29-F687-4f45-9708-019B960494DF}">
-                  <a14:hiddenLine xmlns:a14="http://schemas.microsoft.com/office/drawing/2010/main" xmlns="" w="9525">
+                  <a14:hiddenLine xmlns="" xmlns:a14="http://schemas.microsoft.com/office/drawing/2010/main" w="9525">
                     <a:solidFill>
                       <a:srgbClr val="000000"/>
                     </a:solidFill>
@@ -10126,7 +10126,7 @@
               </a:ln>
               <a:extLst>
                 <a:ext uri="{91240B29-F687-4f45-9708-019B960494DF}">
-                  <a14:hiddenLine xmlns:a14="http://schemas.microsoft.com/office/drawing/2010/main" xmlns="" w="9525">
+                  <a14:hiddenLine xmlns="" xmlns:a14="http://schemas.microsoft.com/office/drawing/2010/main" w="9525">
                     <a:solidFill>
                       <a:srgbClr val="000000"/>
                     </a:solidFill>
@@ -10188,7 +10188,7 @@
               </a:ln>
               <a:extLst>
                 <a:ext uri="{91240B29-F687-4f45-9708-019B960494DF}">
-                  <a14:hiddenLine xmlns:a14="http://schemas.microsoft.com/office/drawing/2010/main" xmlns="" w="9525">
+                  <a14:hiddenLine xmlns="" xmlns:a14="http://schemas.microsoft.com/office/drawing/2010/main" w="9525">
                     <a:solidFill>
                       <a:srgbClr val="000000"/>
                     </a:solidFill>
@@ -10278,7 +10278,7 @@
               </a:ln>
               <a:extLst>
                 <a:ext uri="{91240B29-F687-4f45-9708-019B960494DF}">
-                  <a14:hiddenLine xmlns:a14="http://schemas.microsoft.com/office/drawing/2010/main" xmlns="" w="9525">
+                  <a14:hiddenLine xmlns="" xmlns:a14="http://schemas.microsoft.com/office/drawing/2010/main" w="9525">
                     <a:solidFill>
                       <a:srgbClr val="000000"/>
                     </a:solidFill>
@@ -10368,7 +10368,7 @@
               </a:ln>
               <a:extLst>
                 <a:ext uri="{91240B29-F687-4f45-9708-019B960494DF}">
-                  <a14:hiddenLine xmlns:a14="http://schemas.microsoft.com/office/drawing/2010/main" xmlns="" w="9525">
+                  <a14:hiddenLine xmlns="" xmlns:a14="http://schemas.microsoft.com/office/drawing/2010/main" w="9525">
                     <a:solidFill>
                       <a:srgbClr val="000000"/>
                     </a:solidFill>
@@ -10430,7 +10430,7 @@
               </a:ln>
               <a:extLst>
                 <a:ext uri="{91240B29-F687-4f45-9708-019B960494DF}">
-                  <a14:hiddenLine xmlns:a14="http://schemas.microsoft.com/office/drawing/2010/main" xmlns="" w="9525">
+                  <a14:hiddenLine xmlns="" xmlns:a14="http://schemas.microsoft.com/office/drawing/2010/main" w="9525">
                     <a:solidFill>
                       <a:srgbClr val="000000"/>
                     </a:solidFill>
@@ -10540,7 +10540,7 @@
               </a:ln>
               <a:extLst>
                 <a:ext uri="{91240B29-F687-4f45-9708-019B960494DF}">
-                  <a14:hiddenLine xmlns:a14="http://schemas.microsoft.com/office/drawing/2010/main" xmlns="" w="9525">
+                  <a14:hiddenLine xmlns="" xmlns:a14="http://schemas.microsoft.com/office/drawing/2010/main" w="9525">
                     <a:solidFill>
                       <a:srgbClr val="000000"/>
                     </a:solidFill>
@@ -10624,7 +10624,7 @@
               </a:ln>
               <a:extLst>
                 <a:ext uri="{91240B29-F687-4f45-9708-019B960494DF}">
-                  <a14:hiddenLine xmlns:a14="http://schemas.microsoft.com/office/drawing/2010/main" xmlns="" w="9525">
+                  <a14:hiddenLine xmlns="" xmlns:a14="http://schemas.microsoft.com/office/drawing/2010/main" w="9525">
                     <a:solidFill>
                       <a:srgbClr val="000000"/>
                     </a:solidFill>
@@ -10686,7 +10686,7 @@
               </a:ln>
               <a:extLst>
                 <a:ext uri="{91240B29-F687-4f45-9708-019B960494DF}">
-                  <a14:hiddenLine xmlns:a14="http://schemas.microsoft.com/office/drawing/2010/main" xmlns="" w="9525">
+                  <a14:hiddenLine xmlns="" xmlns:a14="http://schemas.microsoft.com/office/drawing/2010/main" w="9525">
                     <a:solidFill>
                       <a:srgbClr val="000000"/>
                     </a:solidFill>
@@ -10748,7 +10748,7 @@
               </a:ln>
               <a:extLst>
                 <a:ext uri="{91240B29-F687-4f45-9708-019B960494DF}">
-                  <a14:hiddenLine xmlns:a14="http://schemas.microsoft.com/office/drawing/2010/main" xmlns="" w="9525">
+                  <a14:hiddenLine xmlns="" xmlns:a14="http://schemas.microsoft.com/office/drawing/2010/main" w="9525">
                     <a:solidFill>
                       <a:srgbClr val="000000"/>
                     </a:solidFill>
@@ -10838,7 +10838,7 @@
               </a:ln>
               <a:extLst>
                 <a:ext uri="{91240B29-F687-4f45-9708-019B960494DF}">
-                  <a14:hiddenLine xmlns:a14="http://schemas.microsoft.com/office/drawing/2010/main" xmlns="" w="9525">
+                  <a14:hiddenLine xmlns="" xmlns:a14="http://schemas.microsoft.com/office/drawing/2010/main" w="9525">
                     <a:solidFill>
                       <a:srgbClr val="000000"/>
                     </a:solidFill>
@@ -10872,7 +10872,7 @@
               </a:ln>
               <a:extLst>
                 <a:ext uri="{91240B29-F687-4f45-9708-019B960494DF}">
-                  <a14:hiddenLine xmlns:a14="http://schemas.microsoft.com/office/drawing/2010/main" xmlns="" w="9525">
+                  <a14:hiddenLine xmlns="" xmlns:a14="http://schemas.microsoft.com/office/drawing/2010/main" w="9525">
                     <a:solidFill>
                       <a:srgbClr val="000000"/>
                     </a:solidFill>
@@ -10937,7 +10937,7 @@
               </a:ln>
               <a:extLst>
                 <a:ext uri="{91240B29-F687-4f45-9708-019B960494DF}">
-                  <a14:hiddenLine xmlns:a14="http://schemas.microsoft.com/office/drawing/2010/main" xmlns="" w="9525">
+                  <a14:hiddenLine xmlns="" xmlns:a14="http://schemas.microsoft.com/office/drawing/2010/main" w="9525">
                     <a:solidFill>
                       <a:srgbClr val="000000"/>
                     </a:solidFill>
@@ -11027,7 +11027,7 @@
               </a:ln>
               <a:extLst>
                 <a:ext uri="{91240B29-F687-4f45-9708-019B960494DF}">
-                  <a14:hiddenLine xmlns:a14="http://schemas.microsoft.com/office/drawing/2010/main" xmlns="" w="9525">
+                  <a14:hiddenLine xmlns="" xmlns:a14="http://schemas.microsoft.com/office/drawing/2010/main" w="9525">
                     <a:solidFill>
                       <a:srgbClr val="000000"/>
                     </a:solidFill>
@@ -11089,7 +11089,7 @@
               </a:ln>
               <a:extLst>
                 <a:ext uri="{91240B29-F687-4f45-9708-019B960494DF}">
-                  <a14:hiddenLine xmlns:a14="http://schemas.microsoft.com/office/drawing/2010/main" xmlns="" w="9525">
+                  <a14:hiddenLine xmlns="" xmlns:a14="http://schemas.microsoft.com/office/drawing/2010/main" w="9525">
                     <a:solidFill>
                       <a:srgbClr val="000000"/>
                     </a:solidFill>
@@ -11179,7 +11179,7 @@
               </a:ln>
               <a:extLst>
                 <a:ext uri="{91240B29-F687-4f45-9708-019B960494DF}">
-                  <a14:hiddenLine xmlns:a14="http://schemas.microsoft.com/office/drawing/2010/main" xmlns="" w="9525">
+                  <a14:hiddenLine xmlns="" xmlns:a14="http://schemas.microsoft.com/office/drawing/2010/main" w="9525">
                     <a:solidFill>
                       <a:srgbClr val="000000"/>
                     </a:solidFill>
@@ -11244,7 +11244,7 @@
               </a:ln>
               <a:extLst>
                 <a:ext uri="{91240B29-F687-4f45-9708-019B960494DF}">
-                  <a14:hiddenLine xmlns:a14="http://schemas.microsoft.com/office/drawing/2010/main" xmlns="" w="9525">
+                  <a14:hiddenLine xmlns="" xmlns:a14="http://schemas.microsoft.com/office/drawing/2010/main" w="9525">
                     <a:solidFill>
                       <a:srgbClr val="000000"/>
                     </a:solidFill>
@@ -11306,7 +11306,7 @@
               </a:ln>
               <a:extLst>
                 <a:ext uri="{91240B29-F687-4f45-9708-019B960494DF}">
-                  <a14:hiddenLine xmlns:a14="http://schemas.microsoft.com/office/drawing/2010/main" xmlns="" w="9525">
+                  <a14:hiddenLine xmlns="" xmlns:a14="http://schemas.microsoft.com/office/drawing/2010/main" w="9525">
                     <a:solidFill>
                       <a:srgbClr val="000000"/>
                     </a:solidFill>
@@ -11396,7 +11396,7 @@
               </a:ln>
               <a:extLst>
                 <a:ext uri="{91240B29-F687-4f45-9708-019B960494DF}">
-                  <a14:hiddenLine xmlns:a14="http://schemas.microsoft.com/office/drawing/2010/main" xmlns="" w="9525">
+                  <a14:hiddenLine xmlns="" xmlns:a14="http://schemas.microsoft.com/office/drawing/2010/main" w="9525">
                     <a:solidFill>
                       <a:srgbClr val="000000"/>
                     </a:solidFill>
@@ -11486,7 +11486,7 @@
               </a:ln>
               <a:extLst>
                 <a:ext uri="{91240B29-F687-4f45-9708-019B960494DF}">
-                  <a14:hiddenLine xmlns:a14="http://schemas.microsoft.com/office/drawing/2010/main" xmlns="" w="9525">
+                  <a14:hiddenLine xmlns="" xmlns:a14="http://schemas.microsoft.com/office/drawing/2010/main" w="9525">
                     <a:solidFill>
                       <a:srgbClr val="000000"/>
                     </a:solidFill>
@@ -11551,7 +11551,7 @@
               </a:ln>
               <a:extLst>
                 <a:ext uri="{91240B29-F687-4f45-9708-019B960494DF}">
-                  <a14:hiddenLine xmlns:a14="http://schemas.microsoft.com/office/drawing/2010/main" xmlns="" w="9525">
+                  <a14:hiddenLine xmlns="" xmlns:a14="http://schemas.microsoft.com/office/drawing/2010/main" w="9525">
                     <a:solidFill>
                       <a:srgbClr val="000000"/>
                     </a:solidFill>
@@ -11671,7 +11671,7 @@
               </a:ln>
               <a:extLst>
                 <a:ext uri="{91240B29-F687-4f45-9708-019B960494DF}">
-                  <a14:hiddenLine xmlns:a14="http://schemas.microsoft.com/office/drawing/2010/main" xmlns="" w="9525">
+                  <a14:hiddenLine xmlns="" xmlns:a14="http://schemas.microsoft.com/office/drawing/2010/main" w="9525">
                     <a:solidFill>
                       <a:srgbClr val="000000"/>
                     </a:solidFill>
@@ -11769,7 +11769,7 @@
               </a:ln>
               <a:extLst>
                 <a:ext uri="{91240B29-F687-4f45-9708-019B960494DF}">
-                  <a14:hiddenLine xmlns:a14="http://schemas.microsoft.com/office/drawing/2010/main" xmlns="" w="9525">
+                  <a14:hiddenLine xmlns="" xmlns:a14="http://schemas.microsoft.com/office/drawing/2010/main" w="9525">
                     <a:solidFill>
                       <a:srgbClr val="000000"/>
                     </a:solidFill>
@@ -11884,7 +11884,7 @@
               </a:ln>
               <a:extLst>
                 <a:ext uri="{91240B29-F687-4f45-9708-019B960494DF}">
-                  <a14:hiddenLine xmlns:a14="http://schemas.microsoft.com/office/drawing/2010/main" xmlns="" w="9525">
+                  <a14:hiddenLine xmlns="" xmlns:a14="http://schemas.microsoft.com/office/drawing/2010/main" w="9525">
                     <a:solidFill>
                       <a:srgbClr val="000000"/>
                     </a:solidFill>
@@ -11974,7 +11974,7 @@
               </a:ln>
               <a:extLst>
                 <a:ext uri="{91240B29-F687-4f45-9708-019B960494DF}">
-                  <a14:hiddenLine xmlns:a14="http://schemas.microsoft.com/office/drawing/2010/main" xmlns="" w="9525">
+                  <a14:hiddenLine xmlns="" xmlns:a14="http://schemas.microsoft.com/office/drawing/2010/main" w="9525">
                     <a:solidFill>
                       <a:srgbClr val="000000"/>
                     </a:solidFill>
@@ -12039,7 +12039,7 @@
               </a:ln>
               <a:extLst>
                 <a:ext uri="{91240B29-F687-4f45-9708-019B960494DF}">
-                  <a14:hiddenLine xmlns:a14="http://schemas.microsoft.com/office/drawing/2010/main" xmlns="" w="9525">
+                  <a14:hiddenLine xmlns="" xmlns:a14="http://schemas.microsoft.com/office/drawing/2010/main" w="9525">
                     <a:solidFill>
                       <a:srgbClr val="000000"/>
                     </a:solidFill>
@@ -12129,7 +12129,7 @@
               </a:ln>
               <a:extLst>
                 <a:ext uri="{91240B29-F687-4f45-9708-019B960494DF}">
-                  <a14:hiddenLine xmlns:a14="http://schemas.microsoft.com/office/drawing/2010/main" xmlns="" w="9525">
+                  <a14:hiddenLine xmlns="" xmlns:a14="http://schemas.microsoft.com/office/drawing/2010/main" w="9525">
                     <a:solidFill>
                       <a:srgbClr val="000000"/>
                     </a:solidFill>
@@ -12197,7 +12197,7 @@
               </a:ln>
               <a:extLst>
                 <a:ext uri="{91240B29-F687-4f45-9708-019B960494DF}">
-                  <a14:hiddenLine xmlns:a14="http://schemas.microsoft.com/office/drawing/2010/main" xmlns="" w="9525">
+                  <a14:hiddenLine xmlns="" xmlns:a14="http://schemas.microsoft.com/office/drawing/2010/main" w="9525">
                     <a:solidFill>
                       <a:srgbClr val="000000"/>
                     </a:solidFill>
@@ -12287,7 +12287,7 @@
               </a:ln>
               <a:extLst>
                 <a:ext uri="{91240B29-F687-4f45-9708-019B960494DF}">
-                  <a14:hiddenLine xmlns:a14="http://schemas.microsoft.com/office/drawing/2010/main" xmlns="" w="9525">
+                  <a14:hiddenLine xmlns="" xmlns:a14="http://schemas.microsoft.com/office/drawing/2010/main" w="9525">
                     <a:solidFill>
                       <a:srgbClr val="000000"/>
                     </a:solidFill>
@@ -12355,7 +12355,7 @@
               </a:ln>
               <a:extLst>
                 <a:ext uri="{91240B29-F687-4f45-9708-019B960494DF}">
-                  <a14:hiddenLine xmlns:a14="http://schemas.microsoft.com/office/drawing/2010/main" xmlns="" w="9525">
+                  <a14:hiddenLine xmlns="" xmlns:a14="http://schemas.microsoft.com/office/drawing/2010/main" w="9525">
                     <a:solidFill>
                       <a:srgbClr val="000000"/>
                     </a:solidFill>
@@ -12445,7 +12445,7 @@
               </a:ln>
               <a:extLst>
                 <a:ext uri="{91240B29-F687-4f45-9708-019B960494DF}">
-                  <a14:hiddenLine xmlns:a14="http://schemas.microsoft.com/office/drawing/2010/main" xmlns="" w="9525">
+                  <a14:hiddenLine xmlns="" xmlns:a14="http://schemas.microsoft.com/office/drawing/2010/main" w="9525">
                     <a:solidFill>
                       <a:srgbClr val="000000"/>
                     </a:solidFill>
@@ -12479,7 +12479,7 @@
               </a:ln>
               <a:extLst>
                 <a:ext uri="{91240B29-F687-4f45-9708-019B960494DF}">
-                  <a14:hiddenLine xmlns:a14="http://schemas.microsoft.com/office/drawing/2010/main" xmlns="" w="9525">
+                  <a14:hiddenLine xmlns="" xmlns:a14="http://schemas.microsoft.com/office/drawing/2010/main" w="9525">
                     <a:solidFill>
                       <a:srgbClr val="000000"/>
                     </a:solidFill>
@@ -14326,7 +14326,7 @@
         </p:blipFill>
         <p:spPr>
           <a:xfrm>
-            <a:off x="7397944" y="618518"/>
+            <a:off x="6283247" y="618518"/>
             <a:ext cx="3328492" cy="2058118"/>
           </a:xfrm>
           <a:prstGeom prst="rect">
@@ -14356,7 +14356,7 @@
         </p:blipFill>
         <p:spPr>
           <a:xfrm>
-            <a:off x="7718918" y="2829035"/>
+            <a:off x="6604221" y="2829035"/>
             <a:ext cx="2686544" cy="3479074"/>
           </a:xfrm>
           <a:prstGeom prst="rect">
